--- a/Presentation1.pptx
+++ b/Presentation1.pptx
@@ -9,7 +9,11 @@
     <p:sldId id="257" r:id="rId3"/>
     <p:sldId id="258" r:id="rId4"/>
     <p:sldId id="259" r:id="rId5"/>
-    <p:sldId id="260" r:id="rId6"/>
+    <p:sldId id="261" r:id="rId6"/>
+    <p:sldId id="262" r:id="rId7"/>
+    <p:sldId id="260" r:id="rId8"/>
+    <p:sldId id="263" r:id="rId9"/>
+    <p:sldId id="264" r:id="rId10"/>
   </p:sldIdLst>
   <p:sldSz cx="12192000" cy="6858000"/>
   <p:notesSz cx="6858000" cy="9144000"/>
@@ -108,6 +112,11 @@
       </a:defRPr>
     </a:lvl9pPr>
   </p:defaultTextStyle>
+  <p:extLst>
+    <p:ext uri="{EFAFB233-063F-42B5-8137-9DF3F51BA10A}">
+      <p15:sldGuideLst xmlns:p15="http://schemas.microsoft.com/office/powerpoint/2012/main"/>
+    </p:ext>
+  </p:extLst>
 </p:presentation>
 </file>
 
@@ -153,10 +162,9 @@
           </a:lstStyle>
           <a:p>
             <a:r>
-              <a:rPr lang="en-US" smtClean="0"/>
+              <a:rPr lang="en-US"/>
               <a:t>Click to edit Master title style</a:t>
             </a:r>
-            <a:endParaRPr lang="en-US"/>
           </a:p>
         </p:txBody>
       </p:sp>
@@ -218,10 +226,9 @@
           </a:lstStyle>
           <a:p>
             <a:r>
-              <a:rPr lang="en-US" smtClean="0"/>
+              <a:rPr lang="en-US"/>
               <a:t>Click to edit Master subtitle style</a:t>
             </a:r>
-            <a:endParaRPr lang="en-US"/>
           </a:p>
         </p:txBody>
       </p:sp>
@@ -242,7 +249,7 @@
           <a:p>
             <a:fld id="{35129DBC-E4F3-4E87-848D-C066A3018D78}" type="datetimeFigureOut">
               <a:rPr lang="en-US" smtClean="0"/>
-              <a:t>3/13/2019</a:t>
+              <a:t>14-Mar-19</a:t>
             </a:fld>
             <a:endParaRPr lang="en-US"/>
           </a:p>
@@ -336,10 +343,9 @@
           <a:lstStyle/>
           <a:p>
             <a:r>
-              <a:rPr lang="en-US" smtClean="0"/>
+              <a:rPr lang="en-US"/>
               <a:t>Click to edit Master title style</a:t>
             </a:r>
-            <a:endParaRPr lang="en-US"/>
           </a:p>
         </p:txBody>
       </p:sp>
@@ -360,38 +366,37 @@
           <a:p>
             <a:pPr lvl="0"/>
             <a:r>
-              <a:rPr lang="en-US" smtClean="0"/>
+              <a:rPr lang="en-US"/>
               <a:t>Edit Master text styles</a:t>
             </a:r>
           </a:p>
           <a:p>
             <a:pPr lvl="1"/>
             <a:r>
-              <a:rPr lang="en-US" smtClean="0"/>
+              <a:rPr lang="en-US"/>
               <a:t>Second level</a:t>
             </a:r>
           </a:p>
           <a:p>
             <a:pPr lvl="2"/>
             <a:r>
-              <a:rPr lang="en-US" smtClean="0"/>
+              <a:rPr lang="en-US"/>
               <a:t>Third level</a:t>
             </a:r>
           </a:p>
           <a:p>
             <a:pPr lvl="3"/>
             <a:r>
-              <a:rPr lang="en-US" smtClean="0"/>
+              <a:rPr lang="en-US"/>
               <a:t>Fourth level</a:t>
             </a:r>
           </a:p>
           <a:p>
             <a:pPr lvl="4"/>
             <a:r>
-              <a:rPr lang="en-US" smtClean="0"/>
+              <a:rPr lang="en-US"/>
               <a:t>Fifth level</a:t>
             </a:r>
-            <a:endParaRPr lang="en-US"/>
           </a:p>
         </p:txBody>
       </p:sp>
@@ -412,7 +417,7 @@
           <a:p>
             <a:fld id="{35129DBC-E4F3-4E87-848D-C066A3018D78}" type="datetimeFigureOut">
               <a:rPr lang="en-US" smtClean="0"/>
-              <a:t>3/13/2019</a:t>
+              <a:t>14-Mar-19</a:t>
             </a:fld>
             <a:endParaRPr lang="en-US"/>
           </a:p>
@@ -511,10 +516,9 @@
           <a:lstStyle/>
           <a:p>
             <a:r>
-              <a:rPr lang="en-US" smtClean="0"/>
+              <a:rPr lang="en-US"/>
               <a:t>Click to edit Master title style</a:t>
             </a:r>
-            <a:endParaRPr lang="en-US"/>
           </a:p>
         </p:txBody>
       </p:sp>
@@ -540,38 +544,37 @@
           <a:p>
             <a:pPr lvl="0"/>
             <a:r>
-              <a:rPr lang="en-US" smtClean="0"/>
+              <a:rPr lang="en-US"/>
               <a:t>Edit Master text styles</a:t>
             </a:r>
           </a:p>
           <a:p>
             <a:pPr lvl="1"/>
             <a:r>
-              <a:rPr lang="en-US" smtClean="0"/>
+              <a:rPr lang="en-US"/>
               <a:t>Second level</a:t>
             </a:r>
           </a:p>
           <a:p>
             <a:pPr lvl="2"/>
             <a:r>
-              <a:rPr lang="en-US" smtClean="0"/>
+              <a:rPr lang="en-US"/>
               <a:t>Third level</a:t>
             </a:r>
           </a:p>
           <a:p>
             <a:pPr lvl="3"/>
             <a:r>
-              <a:rPr lang="en-US" smtClean="0"/>
+              <a:rPr lang="en-US"/>
               <a:t>Fourth level</a:t>
             </a:r>
           </a:p>
           <a:p>
             <a:pPr lvl="4"/>
             <a:r>
-              <a:rPr lang="en-US" smtClean="0"/>
+              <a:rPr lang="en-US"/>
               <a:t>Fifth level</a:t>
             </a:r>
-            <a:endParaRPr lang="en-US"/>
           </a:p>
         </p:txBody>
       </p:sp>
@@ -592,7 +595,7 @@
           <a:p>
             <a:fld id="{35129DBC-E4F3-4E87-848D-C066A3018D78}" type="datetimeFigureOut">
               <a:rPr lang="en-US" smtClean="0"/>
-              <a:t>3/13/2019</a:t>
+              <a:t>14-Mar-19</a:t>
             </a:fld>
             <a:endParaRPr lang="en-US"/>
           </a:p>
@@ -686,10 +689,9 @@
           <a:lstStyle/>
           <a:p>
             <a:r>
-              <a:rPr lang="en-US" smtClean="0"/>
+              <a:rPr lang="en-US"/>
               <a:t>Click to edit Master title style</a:t>
             </a:r>
-            <a:endParaRPr lang="en-US"/>
           </a:p>
         </p:txBody>
       </p:sp>
@@ -710,38 +712,37 @@
           <a:p>
             <a:pPr lvl="0"/>
             <a:r>
-              <a:rPr lang="en-US" smtClean="0"/>
+              <a:rPr lang="en-US"/>
               <a:t>Edit Master text styles</a:t>
             </a:r>
           </a:p>
           <a:p>
             <a:pPr lvl="1"/>
             <a:r>
-              <a:rPr lang="en-US" smtClean="0"/>
+              <a:rPr lang="en-US"/>
               <a:t>Second level</a:t>
             </a:r>
           </a:p>
           <a:p>
             <a:pPr lvl="2"/>
             <a:r>
-              <a:rPr lang="en-US" smtClean="0"/>
+              <a:rPr lang="en-US"/>
               <a:t>Third level</a:t>
             </a:r>
           </a:p>
           <a:p>
             <a:pPr lvl="3"/>
             <a:r>
-              <a:rPr lang="en-US" smtClean="0"/>
+              <a:rPr lang="en-US"/>
               <a:t>Fourth level</a:t>
             </a:r>
           </a:p>
           <a:p>
             <a:pPr lvl="4"/>
             <a:r>
-              <a:rPr lang="en-US" smtClean="0"/>
+              <a:rPr lang="en-US"/>
               <a:t>Fifth level</a:t>
             </a:r>
-            <a:endParaRPr lang="en-US"/>
           </a:p>
         </p:txBody>
       </p:sp>
@@ -762,7 +763,7 @@
           <a:p>
             <a:fld id="{35129DBC-E4F3-4E87-848D-C066A3018D78}" type="datetimeFigureOut">
               <a:rPr lang="en-US" smtClean="0"/>
-              <a:t>3/13/2019</a:t>
+              <a:t>14-Mar-19</a:t>
             </a:fld>
             <a:endParaRPr lang="en-US"/>
           </a:p>
@@ -865,10 +866,9 @@
           </a:lstStyle>
           <a:p>
             <a:r>
-              <a:rPr lang="en-US" smtClean="0"/>
+              <a:rPr lang="en-US"/>
               <a:t>Click to edit Master title style</a:t>
             </a:r>
-            <a:endParaRPr lang="en-US"/>
           </a:p>
         </p:txBody>
       </p:sp>
@@ -985,7 +985,7 @@
           <a:p>
             <a:pPr lvl="0"/>
             <a:r>
-              <a:rPr lang="en-US" smtClean="0"/>
+              <a:rPr lang="en-US"/>
               <a:t>Edit Master text styles</a:t>
             </a:r>
           </a:p>
@@ -1008,7 +1008,7 @@
           <a:p>
             <a:fld id="{35129DBC-E4F3-4E87-848D-C066A3018D78}" type="datetimeFigureOut">
               <a:rPr lang="en-US" smtClean="0"/>
-              <a:t>3/13/2019</a:t>
+              <a:t>14-Mar-19</a:t>
             </a:fld>
             <a:endParaRPr lang="en-US"/>
           </a:p>
@@ -1102,10 +1102,9 @@
           <a:lstStyle/>
           <a:p>
             <a:r>
-              <a:rPr lang="en-US" smtClean="0"/>
+              <a:rPr lang="en-US"/>
               <a:t>Click to edit Master title style</a:t>
             </a:r>
-            <a:endParaRPr lang="en-US"/>
           </a:p>
         </p:txBody>
       </p:sp>
@@ -1131,38 +1130,37 @@
           <a:p>
             <a:pPr lvl="0"/>
             <a:r>
-              <a:rPr lang="en-US" smtClean="0"/>
+              <a:rPr lang="en-US"/>
               <a:t>Edit Master text styles</a:t>
             </a:r>
           </a:p>
           <a:p>
             <a:pPr lvl="1"/>
             <a:r>
-              <a:rPr lang="en-US" smtClean="0"/>
+              <a:rPr lang="en-US"/>
               <a:t>Second level</a:t>
             </a:r>
           </a:p>
           <a:p>
             <a:pPr lvl="2"/>
             <a:r>
-              <a:rPr lang="en-US" smtClean="0"/>
+              <a:rPr lang="en-US"/>
               <a:t>Third level</a:t>
             </a:r>
           </a:p>
           <a:p>
             <a:pPr lvl="3"/>
             <a:r>
-              <a:rPr lang="en-US" smtClean="0"/>
+              <a:rPr lang="en-US"/>
               <a:t>Fourth level</a:t>
             </a:r>
           </a:p>
           <a:p>
             <a:pPr lvl="4"/>
             <a:r>
-              <a:rPr lang="en-US" smtClean="0"/>
+              <a:rPr lang="en-US"/>
               <a:t>Fifth level</a:t>
             </a:r>
-            <a:endParaRPr lang="en-US"/>
           </a:p>
         </p:txBody>
       </p:sp>
@@ -1188,38 +1186,37 @@
           <a:p>
             <a:pPr lvl="0"/>
             <a:r>
-              <a:rPr lang="en-US" smtClean="0"/>
+              <a:rPr lang="en-US"/>
               <a:t>Edit Master text styles</a:t>
             </a:r>
           </a:p>
           <a:p>
             <a:pPr lvl="1"/>
             <a:r>
-              <a:rPr lang="en-US" smtClean="0"/>
+              <a:rPr lang="en-US"/>
               <a:t>Second level</a:t>
             </a:r>
           </a:p>
           <a:p>
             <a:pPr lvl="2"/>
             <a:r>
-              <a:rPr lang="en-US" smtClean="0"/>
+              <a:rPr lang="en-US"/>
               <a:t>Third level</a:t>
             </a:r>
           </a:p>
           <a:p>
             <a:pPr lvl="3"/>
             <a:r>
-              <a:rPr lang="en-US" smtClean="0"/>
+              <a:rPr lang="en-US"/>
               <a:t>Fourth level</a:t>
             </a:r>
           </a:p>
           <a:p>
             <a:pPr lvl="4"/>
             <a:r>
-              <a:rPr lang="en-US" smtClean="0"/>
+              <a:rPr lang="en-US"/>
               <a:t>Fifth level</a:t>
             </a:r>
-            <a:endParaRPr lang="en-US"/>
           </a:p>
         </p:txBody>
       </p:sp>
@@ -1240,7 +1237,7 @@
           <a:p>
             <a:fld id="{35129DBC-E4F3-4E87-848D-C066A3018D78}" type="datetimeFigureOut">
               <a:rPr lang="en-US" smtClean="0"/>
-              <a:t>3/13/2019</a:t>
+              <a:t>14-Mar-19</a:t>
             </a:fld>
             <a:endParaRPr lang="en-US"/>
           </a:p>
@@ -1339,10 +1336,9 @@
           <a:lstStyle/>
           <a:p>
             <a:r>
-              <a:rPr lang="en-US" smtClean="0"/>
+              <a:rPr lang="en-US"/>
               <a:t>Click to edit Master title style</a:t>
             </a:r>
-            <a:endParaRPr lang="en-US"/>
           </a:p>
         </p:txBody>
       </p:sp>
@@ -1405,7 +1401,7 @@
           <a:p>
             <a:pPr lvl="0"/>
             <a:r>
-              <a:rPr lang="en-US" smtClean="0"/>
+              <a:rPr lang="en-US"/>
               <a:t>Edit Master text styles</a:t>
             </a:r>
           </a:p>
@@ -1433,38 +1429,37 @@
           <a:p>
             <a:pPr lvl="0"/>
             <a:r>
-              <a:rPr lang="en-US" smtClean="0"/>
+              <a:rPr lang="en-US"/>
               <a:t>Edit Master text styles</a:t>
             </a:r>
           </a:p>
           <a:p>
             <a:pPr lvl="1"/>
             <a:r>
-              <a:rPr lang="en-US" smtClean="0"/>
+              <a:rPr lang="en-US"/>
               <a:t>Second level</a:t>
             </a:r>
           </a:p>
           <a:p>
             <a:pPr lvl="2"/>
             <a:r>
-              <a:rPr lang="en-US" smtClean="0"/>
+              <a:rPr lang="en-US"/>
               <a:t>Third level</a:t>
             </a:r>
           </a:p>
           <a:p>
             <a:pPr lvl="3"/>
             <a:r>
-              <a:rPr lang="en-US" smtClean="0"/>
+              <a:rPr lang="en-US"/>
               <a:t>Fourth level</a:t>
             </a:r>
           </a:p>
           <a:p>
             <a:pPr lvl="4"/>
             <a:r>
-              <a:rPr lang="en-US" smtClean="0"/>
+              <a:rPr lang="en-US"/>
               <a:t>Fifth level</a:t>
             </a:r>
-            <a:endParaRPr lang="en-US"/>
           </a:p>
         </p:txBody>
       </p:sp>
@@ -1527,7 +1522,7 @@
           <a:p>
             <a:pPr lvl="0"/>
             <a:r>
-              <a:rPr lang="en-US" smtClean="0"/>
+              <a:rPr lang="en-US"/>
               <a:t>Edit Master text styles</a:t>
             </a:r>
           </a:p>
@@ -1555,38 +1550,37 @@
           <a:p>
             <a:pPr lvl="0"/>
             <a:r>
-              <a:rPr lang="en-US" smtClean="0"/>
+              <a:rPr lang="en-US"/>
               <a:t>Edit Master text styles</a:t>
             </a:r>
           </a:p>
           <a:p>
             <a:pPr lvl="1"/>
             <a:r>
-              <a:rPr lang="en-US" smtClean="0"/>
+              <a:rPr lang="en-US"/>
               <a:t>Second level</a:t>
             </a:r>
           </a:p>
           <a:p>
             <a:pPr lvl="2"/>
             <a:r>
-              <a:rPr lang="en-US" smtClean="0"/>
+              <a:rPr lang="en-US"/>
               <a:t>Third level</a:t>
             </a:r>
           </a:p>
           <a:p>
             <a:pPr lvl="3"/>
             <a:r>
-              <a:rPr lang="en-US" smtClean="0"/>
+              <a:rPr lang="en-US"/>
               <a:t>Fourth level</a:t>
             </a:r>
           </a:p>
           <a:p>
             <a:pPr lvl="4"/>
             <a:r>
-              <a:rPr lang="en-US" smtClean="0"/>
+              <a:rPr lang="en-US"/>
               <a:t>Fifth level</a:t>
             </a:r>
-            <a:endParaRPr lang="en-US"/>
           </a:p>
         </p:txBody>
       </p:sp>
@@ -1607,7 +1601,7 @@
           <a:p>
             <a:fld id="{35129DBC-E4F3-4E87-848D-C066A3018D78}" type="datetimeFigureOut">
               <a:rPr lang="en-US" smtClean="0"/>
-              <a:t>3/13/2019</a:t>
+              <a:t>14-Mar-19</a:t>
             </a:fld>
             <a:endParaRPr lang="en-US"/>
           </a:p>
@@ -1701,10 +1695,9 @@
           <a:lstStyle/>
           <a:p>
             <a:r>
-              <a:rPr lang="en-US" smtClean="0"/>
+              <a:rPr lang="en-US"/>
               <a:t>Click to edit Master title style</a:t>
             </a:r>
-            <a:endParaRPr lang="en-US"/>
           </a:p>
         </p:txBody>
       </p:sp>
@@ -1725,7 +1718,7 @@
           <a:p>
             <a:fld id="{35129DBC-E4F3-4E87-848D-C066A3018D78}" type="datetimeFigureOut">
               <a:rPr lang="en-US" smtClean="0"/>
-              <a:t>3/13/2019</a:t>
+              <a:t>14-Mar-19</a:t>
             </a:fld>
             <a:endParaRPr lang="en-US"/>
           </a:p>
@@ -1820,7 +1813,7 @@
           <a:p>
             <a:fld id="{35129DBC-E4F3-4E87-848D-C066A3018D78}" type="datetimeFigureOut">
               <a:rPr lang="en-US" smtClean="0"/>
-              <a:t>3/13/2019</a:t>
+              <a:t>14-Mar-19</a:t>
             </a:fld>
             <a:endParaRPr lang="en-US"/>
           </a:p>
@@ -1923,10 +1916,9 @@
           </a:lstStyle>
           <a:p>
             <a:r>
-              <a:rPr lang="en-US" smtClean="0"/>
+              <a:rPr lang="en-US"/>
               <a:t>Click to edit Master title style</a:t>
             </a:r>
-            <a:endParaRPr lang="en-US"/>
           </a:p>
         </p:txBody>
       </p:sp>
@@ -1980,38 +1972,37 @@
           <a:p>
             <a:pPr lvl="0"/>
             <a:r>
-              <a:rPr lang="en-US" smtClean="0"/>
+              <a:rPr lang="en-US"/>
               <a:t>Edit Master text styles</a:t>
             </a:r>
           </a:p>
           <a:p>
             <a:pPr lvl="1"/>
             <a:r>
-              <a:rPr lang="en-US" smtClean="0"/>
+              <a:rPr lang="en-US"/>
               <a:t>Second level</a:t>
             </a:r>
           </a:p>
           <a:p>
             <a:pPr lvl="2"/>
             <a:r>
-              <a:rPr lang="en-US" smtClean="0"/>
+              <a:rPr lang="en-US"/>
               <a:t>Third level</a:t>
             </a:r>
           </a:p>
           <a:p>
             <a:pPr lvl="3"/>
             <a:r>
-              <a:rPr lang="en-US" smtClean="0"/>
+              <a:rPr lang="en-US"/>
               <a:t>Fourth level</a:t>
             </a:r>
           </a:p>
           <a:p>
             <a:pPr lvl="4"/>
             <a:r>
-              <a:rPr lang="en-US" smtClean="0"/>
+              <a:rPr lang="en-US"/>
               <a:t>Fifth level</a:t>
             </a:r>
-            <a:endParaRPr lang="en-US"/>
           </a:p>
         </p:txBody>
       </p:sp>
@@ -2074,7 +2065,7 @@
           <a:p>
             <a:pPr lvl="0"/>
             <a:r>
-              <a:rPr lang="en-US" smtClean="0"/>
+              <a:rPr lang="en-US"/>
               <a:t>Edit Master text styles</a:t>
             </a:r>
           </a:p>
@@ -2097,7 +2088,7 @@
           <a:p>
             <a:fld id="{35129DBC-E4F3-4E87-848D-C066A3018D78}" type="datetimeFigureOut">
               <a:rPr lang="en-US" smtClean="0"/>
-              <a:t>3/13/2019</a:t>
+              <a:t>14-Mar-19</a:t>
             </a:fld>
             <a:endParaRPr lang="en-US"/>
           </a:p>
@@ -2200,10 +2191,9 @@
           </a:lstStyle>
           <a:p>
             <a:r>
-              <a:rPr lang="en-US" smtClean="0"/>
+              <a:rPr lang="en-US"/>
               <a:t>Click to edit Master title style</a:t>
             </a:r>
-            <a:endParaRPr lang="en-US"/>
           </a:p>
         </p:txBody>
       </p:sp>
@@ -2327,7 +2317,7 @@
           <a:p>
             <a:pPr lvl="0"/>
             <a:r>
-              <a:rPr lang="en-US" smtClean="0"/>
+              <a:rPr lang="en-US"/>
               <a:t>Edit Master text styles</a:t>
             </a:r>
           </a:p>
@@ -2350,7 +2340,7 @@
           <a:p>
             <a:fld id="{35129DBC-E4F3-4E87-848D-C066A3018D78}" type="datetimeFigureOut">
               <a:rPr lang="en-US" smtClean="0"/>
-              <a:t>3/13/2019</a:t>
+              <a:t>14-Mar-19</a:t>
             </a:fld>
             <a:endParaRPr lang="en-US"/>
           </a:p>
@@ -2459,10 +2449,9 @@
           <a:lstStyle/>
           <a:p>
             <a:r>
-              <a:rPr lang="en-US" smtClean="0"/>
+              <a:rPr lang="en-US"/>
               <a:t>Click to edit Master title style</a:t>
             </a:r>
-            <a:endParaRPr lang="en-US"/>
           </a:p>
         </p:txBody>
       </p:sp>
@@ -2493,38 +2482,37 @@
           <a:p>
             <a:pPr lvl="0"/>
             <a:r>
-              <a:rPr lang="en-US" smtClean="0"/>
+              <a:rPr lang="en-US"/>
               <a:t>Edit Master text styles</a:t>
             </a:r>
           </a:p>
           <a:p>
             <a:pPr lvl="1"/>
             <a:r>
-              <a:rPr lang="en-US" smtClean="0"/>
+              <a:rPr lang="en-US"/>
               <a:t>Second level</a:t>
             </a:r>
           </a:p>
           <a:p>
             <a:pPr lvl="2"/>
             <a:r>
-              <a:rPr lang="en-US" smtClean="0"/>
+              <a:rPr lang="en-US"/>
               <a:t>Third level</a:t>
             </a:r>
           </a:p>
           <a:p>
             <a:pPr lvl="3"/>
             <a:r>
-              <a:rPr lang="en-US" smtClean="0"/>
+              <a:rPr lang="en-US"/>
               <a:t>Fourth level</a:t>
             </a:r>
           </a:p>
           <a:p>
             <a:pPr lvl="4"/>
             <a:r>
-              <a:rPr lang="en-US" smtClean="0"/>
+              <a:rPr lang="en-US"/>
               <a:t>Fifth level</a:t>
             </a:r>
-            <a:endParaRPr lang="en-US"/>
           </a:p>
         </p:txBody>
       </p:sp>
@@ -2563,7 +2551,7 @@
           <a:p>
             <a:fld id="{35129DBC-E4F3-4E87-848D-C066A3018D78}" type="datetimeFigureOut">
               <a:rPr lang="en-US" smtClean="0"/>
-              <a:t>3/13/2019</a:t>
+              <a:t>14-Mar-19</a:t>
             </a:fld>
             <a:endParaRPr lang="en-US"/>
           </a:p>
@@ -3071,10 +3059,9 @@
           <a:lstStyle/>
           <a:p>
             <a:r>
-              <a:rPr lang="en-US" sz="3200" dirty="0" smtClean="0"/>
+              <a:rPr lang="en-US" sz="3200" dirty="0"/>
               <a:t>28x28 pixels</a:t>
             </a:r>
-            <a:endParaRPr lang="en-US" sz="3200" dirty="0"/>
           </a:p>
         </p:txBody>
       </p:sp>
@@ -3101,10 +3088,9 @@
           <a:lstStyle/>
           <a:p>
             <a:r>
-              <a:rPr lang="en-US" sz="3200" dirty="0" smtClean="0"/>
+              <a:rPr lang="en-US" sz="3200" dirty="0"/>
               <a:t>n = 28x28=784 </a:t>
             </a:r>
-            <a:endParaRPr lang="en-US" sz="3200" dirty="0"/>
           </a:p>
         </p:txBody>
       </p:sp>
@@ -3183,18 +3169,17 @@
           <a:lstStyle/>
           <a:p>
             <a:r>
-              <a:rPr lang="en-US" dirty="0" smtClean="0"/>
+              <a:rPr lang="en-US" dirty="0"/>
               <a:t>Perceptron </a:t>
             </a:r>
             <a:r>
-              <a:rPr lang="en-US" dirty="0" err="1" smtClean="0"/>
+              <a:rPr lang="en-US" dirty="0" err="1"/>
               <a:t>hebbian</a:t>
             </a:r>
             <a:r>
-              <a:rPr lang="en-US" dirty="0" smtClean="0"/>
+              <a:rPr lang="en-US" dirty="0"/>
               <a:t> learning update</a:t>
             </a:r>
-            <a:endParaRPr lang="en-US" dirty="0"/>
           </a:p>
         </p:txBody>
       </p:sp>
@@ -3226,7 +3211,13 @@
       </p:pic>
       <p:pic>
         <p:nvPicPr>
-          <p:cNvPr id="5" name="Picture 4"/>
+          <p:cNvPr id="9" name="Picture 8">
+            <a:extLst>
+              <a:ext uri="{FF2B5EF4-FFF2-40B4-BE49-F238E27FC236}">
+                <a16:creationId xmlns:a16="http://schemas.microsoft.com/office/drawing/2014/main" id="{0B4A2934-9C61-4DDC-AB9E-8130EFA31A90}"/>
+              </a:ext>
+            </a:extLst>
+          </p:cNvPr>
           <p:cNvPicPr>
             <a:picLocks noChangeAspect="1"/>
           </p:cNvPicPr>
@@ -3240,8 +3231,8 @@
         </p:blipFill>
         <p:spPr>
           <a:xfrm>
-            <a:off x="6934619" y="851985"/>
-            <a:ext cx="4565290" cy="2982078"/>
+            <a:off x="7132766" y="876300"/>
+            <a:ext cx="3952875" cy="2552700"/>
           </a:xfrm>
           <a:prstGeom prst="rect">
             <a:avLst/>
@@ -3250,7 +3241,13 @@
       </p:pic>
       <p:pic>
         <p:nvPicPr>
-          <p:cNvPr id="6" name="Picture 5"/>
+          <p:cNvPr id="10" name="Picture 9">
+            <a:extLst>
+              <a:ext uri="{FF2B5EF4-FFF2-40B4-BE49-F238E27FC236}">
+                <a16:creationId xmlns:a16="http://schemas.microsoft.com/office/drawing/2014/main" id="{F2A2EA68-85CF-4D29-A6A3-7FF3E45B3F06}"/>
+              </a:ext>
+            </a:extLst>
+          </p:cNvPr>
           <p:cNvPicPr>
             <a:picLocks noChangeAspect="1"/>
           </p:cNvPicPr>
@@ -3264,8 +3261,8 @@
         </p:blipFill>
         <p:spPr>
           <a:xfrm>
-            <a:off x="7138737" y="3834063"/>
-            <a:ext cx="4519863" cy="2893149"/>
+            <a:off x="7310787" y="3742931"/>
+            <a:ext cx="3895725" cy="2543175"/>
           </a:xfrm>
           <a:prstGeom prst="rect">
             <a:avLst/>
@@ -3430,7 +3427,13 @@
       </p:grpSpPr>
       <p:sp>
         <p:nvSpPr>
-          <p:cNvPr id="2" name="Title 1"/>
+          <p:cNvPr id="2" name="Title 1">
+            <a:extLst>
+              <a:ext uri="{FF2B5EF4-FFF2-40B4-BE49-F238E27FC236}">
+                <a16:creationId xmlns:a16="http://schemas.microsoft.com/office/drawing/2014/main" id="{471B1875-03FE-4044-B797-7FF6AA3DF0A8}"/>
+              </a:ext>
+            </a:extLst>
+          </p:cNvPr>
           <p:cNvSpPr>
             <a:spLocks noGrp="1"/>
           </p:cNvSpPr>
@@ -3438,27 +3441,27 @@
             <p:ph type="title"/>
           </p:nvPr>
         </p:nvSpPr>
-        <p:spPr>
-          <a:xfrm>
-            <a:off x="132347" y="-196348"/>
-            <a:ext cx="10515600" cy="1325563"/>
-          </a:xfrm>
-        </p:spPr>
-        <p:txBody>
-          <a:bodyPr/>
-          <a:lstStyle/>
-          <a:p>
-            <a:r>
-              <a:rPr lang="en-US" dirty="0" smtClean="0"/>
-              <a:t>Gradient descent 10 Binary classifiers</a:t>
-            </a:r>
-            <a:endParaRPr lang="en-US" dirty="0"/>
+        <p:spPr/>
+        <p:txBody>
+          <a:bodyPr/>
+          <a:lstStyle/>
+          <a:p>
+            <a:r>
+              <a:rPr lang="en-US" dirty="0"/>
+              <a:t>Gradient descent; Squared energy </a:t>
+            </a:r>
           </a:p>
         </p:txBody>
       </p:sp>
       <p:pic>
         <p:nvPicPr>
-          <p:cNvPr id="4" name="Content Placeholder 3"/>
+          <p:cNvPr id="5" name="Content Placeholder 4">
+            <a:extLst>
+              <a:ext uri="{FF2B5EF4-FFF2-40B4-BE49-F238E27FC236}">
+                <a16:creationId xmlns:a16="http://schemas.microsoft.com/office/drawing/2014/main" id="{BD3A4E27-EFE9-4AAE-B66C-7943CADC1F50}"/>
+              </a:ext>
+            </a:extLst>
+          </p:cNvPr>
           <p:cNvPicPr>
             <a:picLocks noGrp="1" noChangeAspect="1"/>
           </p:cNvPicPr>
@@ -3474,8 +3477,163 @@
         </p:blipFill>
         <p:spPr>
           <a:xfrm>
-            <a:off x="1017337" y="1835067"/>
-            <a:ext cx="5506789" cy="3426743"/>
+            <a:off x="6734875" y="1419225"/>
+            <a:ext cx="4057650" cy="2828925"/>
+          </a:xfrm>
+          <a:prstGeom prst="rect">
+            <a:avLst/>
+          </a:prstGeom>
+        </p:spPr>
+      </p:pic>
+      <p:pic>
+        <p:nvPicPr>
+          <p:cNvPr id="4" name="Picture 3">
+            <a:extLst>
+              <a:ext uri="{FF2B5EF4-FFF2-40B4-BE49-F238E27FC236}">
+                <a16:creationId xmlns:a16="http://schemas.microsoft.com/office/drawing/2014/main" id="{6D378E92-4F28-42A6-AF47-116BE26444DF}"/>
+              </a:ext>
+            </a:extLst>
+          </p:cNvPr>
+          <p:cNvPicPr>
+            <a:picLocks noChangeAspect="1"/>
+          </p:cNvPicPr>
+          <p:nvPr/>
+        </p:nvPicPr>
+        <p:blipFill>
+          <a:blip r:embed="rId3"/>
+          <a:stretch>
+            <a:fillRect/>
+          </a:stretch>
+        </p:blipFill>
+        <p:spPr>
+          <a:xfrm>
+            <a:off x="905311" y="2514738"/>
+            <a:ext cx="4267200" cy="2771775"/>
+          </a:xfrm>
+          <a:prstGeom prst="rect">
+            <a:avLst/>
+          </a:prstGeom>
+        </p:spPr>
+      </p:pic>
+      <p:pic>
+        <p:nvPicPr>
+          <p:cNvPr id="6" name="Picture 5">
+            <a:extLst>
+              <a:ext uri="{FF2B5EF4-FFF2-40B4-BE49-F238E27FC236}">
+                <a16:creationId xmlns:a16="http://schemas.microsoft.com/office/drawing/2014/main" id="{E01D9D05-5CBE-4CA7-9BAF-FD8D5E34E7E7}"/>
+              </a:ext>
+            </a:extLst>
+          </p:cNvPr>
+          <p:cNvPicPr>
+            <a:picLocks noChangeAspect="1"/>
+          </p:cNvPicPr>
+          <p:nvPr/>
+        </p:nvPicPr>
+        <p:blipFill>
+          <a:blip r:embed="rId4"/>
+          <a:stretch>
+            <a:fillRect/>
+          </a:stretch>
+        </p:blipFill>
+        <p:spPr>
+          <a:xfrm>
+            <a:off x="6793860" y="4248150"/>
+            <a:ext cx="3771900" cy="2609850"/>
+          </a:xfrm>
+          <a:prstGeom prst="rect">
+            <a:avLst/>
+          </a:prstGeom>
+        </p:spPr>
+      </p:pic>
+      <p:sp>
+        <p:nvSpPr>
+          <p:cNvPr id="7" name="TextBox 6">
+            <a:extLst>
+              <a:ext uri="{FF2B5EF4-FFF2-40B4-BE49-F238E27FC236}">
+                <a16:creationId xmlns:a16="http://schemas.microsoft.com/office/drawing/2014/main" id="{96C39AAB-10C7-452C-9685-F70632BCEB51}"/>
+              </a:ext>
+            </a:extLst>
+          </p:cNvPr>
+          <p:cNvSpPr txBox="1"/>
+          <p:nvPr/>
+        </p:nvSpPr>
+        <p:spPr>
+          <a:xfrm>
+            <a:off x="1040235" y="1770077"/>
+            <a:ext cx="1713931" cy="369332"/>
+          </a:xfrm>
+          <a:prstGeom prst="rect">
+            <a:avLst/>
+          </a:prstGeom>
+          <a:noFill/>
+        </p:spPr>
+        <p:txBody>
+          <a:bodyPr wrap="none" rtlCol="0">
+            <a:spAutoFit/>
+          </a:bodyPr>
+          <a:lstStyle/>
+          <a:p>
+            <a:r>
+              <a:rPr lang="en-US" dirty="0"/>
+              <a:t># of Patterns = 2</a:t>
+            </a:r>
+          </a:p>
+        </p:txBody>
+      </p:sp>
+      <p:pic>
+        <p:nvPicPr>
+          <p:cNvPr id="8" name="Picture 7">
+            <a:extLst>
+              <a:ext uri="{FF2B5EF4-FFF2-40B4-BE49-F238E27FC236}">
+                <a16:creationId xmlns:a16="http://schemas.microsoft.com/office/drawing/2014/main" id="{6F289615-11C6-4E9C-A0D4-2083F018612F}"/>
+              </a:ext>
+            </a:extLst>
+          </p:cNvPr>
+          <p:cNvPicPr>
+            <a:picLocks noChangeAspect="1"/>
+          </p:cNvPicPr>
+          <p:nvPr/>
+        </p:nvPicPr>
+        <p:blipFill>
+          <a:blip r:embed="rId5"/>
+          <a:stretch>
+            <a:fillRect/>
+          </a:stretch>
+        </p:blipFill>
+        <p:spPr>
+          <a:xfrm>
+            <a:off x="3264454" y="1447627"/>
+            <a:ext cx="795469" cy="795469"/>
+          </a:xfrm>
+          <a:prstGeom prst="rect">
+            <a:avLst/>
+          </a:prstGeom>
+        </p:spPr>
+      </p:pic>
+      <p:pic>
+        <p:nvPicPr>
+          <p:cNvPr id="9" name="Picture 8">
+            <a:extLst>
+              <a:ext uri="{FF2B5EF4-FFF2-40B4-BE49-F238E27FC236}">
+                <a16:creationId xmlns:a16="http://schemas.microsoft.com/office/drawing/2014/main" id="{C0693E83-3D9D-43DA-B53D-83533C69B64E}"/>
+              </a:ext>
+            </a:extLst>
+          </p:cNvPr>
+          <p:cNvPicPr>
+            <a:picLocks noChangeAspect="1"/>
+          </p:cNvPicPr>
+          <p:nvPr/>
+        </p:nvPicPr>
+        <p:blipFill>
+          <a:blip r:embed="rId6"/>
+          <a:stretch>
+            <a:fillRect/>
+          </a:stretch>
+        </p:blipFill>
+        <p:spPr>
+          <a:xfrm>
+            <a:off x="4157846" y="1430958"/>
+            <a:ext cx="824729" cy="812138"/>
           </a:xfrm>
           <a:prstGeom prst="rect">
             <a:avLst/>
@@ -3485,7 +3643,750 @@
     </p:spTree>
     <p:extLst>
       <p:ext uri="{BB962C8B-B14F-4D97-AF65-F5344CB8AC3E}">
+        <p14:creationId xmlns:p14="http://schemas.microsoft.com/office/powerpoint/2010/main" val="1000794948"/>
+      </p:ext>
+    </p:extLst>
+  </p:cSld>
+  <p:clrMapOvr>
+    <a:masterClrMapping/>
+  </p:clrMapOvr>
+</p:sld>
+</file>
+
+<file path=ppt/slides/slide6.xml><?xml version="1.0" encoding="utf-8"?>
+<p:sld xmlns:a="http://schemas.openxmlformats.org/drawingml/2006/main" xmlns:r="http://schemas.openxmlformats.org/officeDocument/2006/relationships" xmlns:p="http://schemas.openxmlformats.org/presentationml/2006/main">
+  <p:cSld>
+    <p:spTree>
+      <p:nvGrpSpPr>
+        <p:cNvPr id="1" name=""/>
+        <p:cNvGrpSpPr/>
+        <p:nvPr/>
+      </p:nvGrpSpPr>
+      <p:grpSpPr>
+        <a:xfrm>
+          <a:off x="0" y="0"/>
+          <a:ext cx="0" cy="0"/>
+          <a:chOff x="0" y="0"/>
+          <a:chExt cx="0" cy="0"/>
+        </a:xfrm>
+      </p:grpSpPr>
+      <p:sp>
+        <p:nvSpPr>
+          <p:cNvPr id="4" name="Title 1">
+            <a:extLst>
+              <a:ext uri="{FF2B5EF4-FFF2-40B4-BE49-F238E27FC236}">
+                <a16:creationId xmlns:a16="http://schemas.microsoft.com/office/drawing/2014/main" id="{80BF84CE-9E19-405B-A675-BE13AFD0C4D1}"/>
+              </a:ext>
+            </a:extLst>
+          </p:cNvPr>
+          <p:cNvSpPr>
+            <a:spLocks noGrp="1"/>
+          </p:cNvSpPr>
+          <p:nvPr>
+            <p:ph type="title"/>
+          </p:nvPr>
+        </p:nvSpPr>
+        <p:spPr>
+          <a:xfrm>
+            <a:off x="838200" y="365125"/>
+            <a:ext cx="10515600" cy="1325563"/>
+          </a:xfrm>
+        </p:spPr>
+        <p:txBody>
+          <a:bodyPr/>
+          <a:lstStyle/>
+          <a:p>
+            <a:r>
+              <a:rPr lang="en-US" dirty="0"/>
+              <a:t>Gradient descent; Squared energy </a:t>
+            </a:r>
+          </a:p>
+        </p:txBody>
+      </p:sp>
+      <p:sp>
+        <p:nvSpPr>
+          <p:cNvPr id="6" name="TextBox 5">
+            <a:extLst>
+              <a:ext uri="{FF2B5EF4-FFF2-40B4-BE49-F238E27FC236}">
+                <a16:creationId xmlns:a16="http://schemas.microsoft.com/office/drawing/2014/main" id="{7D1A2D75-BC33-45D7-B721-91CAD2F48BA4}"/>
+              </a:ext>
+            </a:extLst>
+          </p:cNvPr>
+          <p:cNvSpPr txBox="1"/>
+          <p:nvPr/>
+        </p:nvSpPr>
+        <p:spPr>
+          <a:xfrm>
+            <a:off x="1040235" y="1770077"/>
+            <a:ext cx="1713931" cy="369332"/>
+          </a:xfrm>
+          <a:prstGeom prst="rect">
+            <a:avLst/>
+          </a:prstGeom>
+          <a:noFill/>
+        </p:spPr>
+        <p:txBody>
+          <a:bodyPr wrap="none" rtlCol="0">
+            <a:spAutoFit/>
+          </a:bodyPr>
+          <a:lstStyle/>
+          <a:p>
+            <a:r>
+              <a:rPr lang="en-US" dirty="0"/>
+              <a:t># of Patterns = 4</a:t>
+            </a:r>
+          </a:p>
+        </p:txBody>
+      </p:sp>
+      <p:pic>
+        <p:nvPicPr>
+          <p:cNvPr id="7" name="Picture 6">
+            <a:extLst>
+              <a:ext uri="{FF2B5EF4-FFF2-40B4-BE49-F238E27FC236}">
+                <a16:creationId xmlns:a16="http://schemas.microsoft.com/office/drawing/2014/main" id="{A9776EE6-658A-4C56-9E46-09B3A2D09FBC}"/>
+              </a:ext>
+            </a:extLst>
+          </p:cNvPr>
+          <p:cNvPicPr>
+            <a:picLocks noChangeAspect="1"/>
+          </p:cNvPicPr>
+          <p:nvPr/>
+        </p:nvPicPr>
+        <p:blipFill>
+          <a:blip r:embed="rId2"/>
+          <a:stretch>
+            <a:fillRect/>
+          </a:stretch>
+        </p:blipFill>
+        <p:spPr>
+          <a:xfrm>
+            <a:off x="711841" y="2706979"/>
+            <a:ext cx="3771900" cy="2752725"/>
+          </a:xfrm>
+          <a:prstGeom prst="rect">
+            <a:avLst/>
+          </a:prstGeom>
+        </p:spPr>
+      </p:pic>
+      <p:sp>
+        <p:nvSpPr>
+          <p:cNvPr id="10" name="TextBox 9">
+            <a:extLst>
+              <a:ext uri="{FF2B5EF4-FFF2-40B4-BE49-F238E27FC236}">
+                <a16:creationId xmlns:a16="http://schemas.microsoft.com/office/drawing/2014/main" id="{E493DBA6-4EE2-4738-B88E-8C5D1A745642}"/>
+              </a:ext>
+            </a:extLst>
+          </p:cNvPr>
+          <p:cNvSpPr txBox="1"/>
+          <p:nvPr/>
+        </p:nvSpPr>
+        <p:spPr>
+          <a:xfrm>
+            <a:off x="7777993" y="1770077"/>
+            <a:ext cx="1830950" cy="369332"/>
+          </a:xfrm>
+          <a:prstGeom prst="rect">
+            <a:avLst/>
+          </a:prstGeom>
+          <a:noFill/>
+        </p:spPr>
+        <p:txBody>
+          <a:bodyPr wrap="none" rtlCol="0">
+            <a:spAutoFit/>
+          </a:bodyPr>
+          <a:lstStyle/>
+          <a:p>
+            <a:r>
+              <a:rPr lang="en-US" dirty="0"/>
+              <a:t># of Patterns = 10</a:t>
+            </a:r>
+          </a:p>
+        </p:txBody>
+      </p:sp>
+      <p:pic>
+        <p:nvPicPr>
+          <p:cNvPr id="11" name="Picture 10">
+            <a:extLst>
+              <a:ext uri="{FF2B5EF4-FFF2-40B4-BE49-F238E27FC236}">
+                <a16:creationId xmlns:a16="http://schemas.microsoft.com/office/drawing/2014/main" id="{6F46CA0A-4C28-4725-A89C-03A9A4327AC3}"/>
+              </a:ext>
+            </a:extLst>
+          </p:cNvPr>
+          <p:cNvPicPr>
+            <a:picLocks noChangeAspect="1"/>
+          </p:cNvPicPr>
+          <p:nvPr/>
+        </p:nvPicPr>
+        <p:blipFill>
+          <a:blip r:embed="rId3"/>
+          <a:stretch>
+            <a:fillRect/>
+          </a:stretch>
+        </p:blipFill>
+        <p:spPr>
+          <a:xfrm>
+            <a:off x="6548743" y="2814900"/>
+            <a:ext cx="3943350" cy="2762250"/>
+          </a:xfrm>
+          <a:prstGeom prst="rect">
+            <a:avLst/>
+          </a:prstGeom>
+        </p:spPr>
+      </p:pic>
+    </p:spTree>
+    <p:extLst>
+      <p:ext uri="{BB962C8B-B14F-4D97-AF65-F5344CB8AC3E}">
+        <p14:creationId xmlns:p14="http://schemas.microsoft.com/office/powerpoint/2010/main" val="1289781385"/>
+      </p:ext>
+    </p:extLst>
+  </p:cSld>
+  <p:clrMapOvr>
+    <a:masterClrMapping/>
+  </p:clrMapOvr>
+</p:sld>
+</file>
+
+<file path=ppt/slides/slide7.xml><?xml version="1.0" encoding="utf-8"?>
+<p:sld xmlns:a="http://schemas.openxmlformats.org/drawingml/2006/main" xmlns:r="http://schemas.openxmlformats.org/officeDocument/2006/relationships" xmlns:p="http://schemas.openxmlformats.org/presentationml/2006/main">
+  <p:cSld>
+    <p:spTree>
+      <p:nvGrpSpPr>
+        <p:cNvPr id="1" name=""/>
+        <p:cNvGrpSpPr/>
+        <p:nvPr/>
+      </p:nvGrpSpPr>
+      <p:grpSpPr>
+        <a:xfrm>
+          <a:off x="0" y="0"/>
+          <a:ext cx="0" cy="0"/>
+          <a:chOff x="0" y="0"/>
+          <a:chExt cx="0" cy="0"/>
+        </a:xfrm>
+      </p:grpSpPr>
+      <p:sp>
+        <p:nvSpPr>
+          <p:cNvPr id="2" name="Title 1"/>
+          <p:cNvSpPr>
+            <a:spLocks noGrp="1"/>
+          </p:cNvSpPr>
+          <p:nvPr>
+            <p:ph type="title"/>
+          </p:nvPr>
+        </p:nvSpPr>
+        <p:spPr>
+          <a:xfrm>
+            <a:off x="98791" y="88878"/>
+            <a:ext cx="10515600" cy="1325563"/>
+          </a:xfrm>
+        </p:spPr>
+        <p:txBody>
+          <a:bodyPr/>
+          <a:lstStyle/>
+          <a:p>
+            <a:r>
+              <a:rPr lang="en-US" dirty="0"/>
+              <a:t>Gradient descent 10 Binary classifiers</a:t>
+            </a:r>
+          </a:p>
+        </p:txBody>
+      </p:sp>
+      <p:pic>
+        <p:nvPicPr>
+          <p:cNvPr id="4" name="Content Placeholder 3"/>
+          <p:cNvPicPr>
+            <a:picLocks noGrp="1" noChangeAspect="1"/>
+          </p:cNvPicPr>
+          <p:nvPr>
+            <p:ph idx="1"/>
+          </p:nvPr>
+        </p:nvPicPr>
+        <p:blipFill>
+          <a:blip r:embed="rId2"/>
+          <a:stretch>
+            <a:fillRect/>
+          </a:stretch>
+        </p:blipFill>
+        <p:spPr>
+          <a:xfrm>
+            <a:off x="413329" y="1984076"/>
+            <a:ext cx="5506789" cy="3426743"/>
+          </a:xfrm>
+          <a:prstGeom prst="rect">
+            <a:avLst/>
+          </a:prstGeom>
+        </p:spPr>
+      </p:pic>
+      <p:pic>
+        <p:nvPicPr>
+          <p:cNvPr id="5" name="Picture 4">
+            <a:extLst>
+              <a:ext uri="{FF2B5EF4-FFF2-40B4-BE49-F238E27FC236}">
+                <a16:creationId xmlns:a16="http://schemas.microsoft.com/office/drawing/2014/main" id="{34BF1AE0-C7A6-47FF-AC99-44E2981E184E}"/>
+              </a:ext>
+            </a:extLst>
+          </p:cNvPr>
+          <p:cNvPicPr>
+            <a:picLocks noChangeAspect="1"/>
+          </p:cNvPicPr>
+          <p:nvPr/>
+        </p:nvPicPr>
+        <p:blipFill>
+          <a:blip r:embed="rId3"/>
+          <a:stretch>
+            <a:fillRect/>
+          </a:stretch>
+        </p:blipFill>
+        <p:spPr>
+          <a:xfrm>
+            <a:off x="7276095" y="1154272"/>
+            <a:ext cx="3914775" cy="2543175"/>
+          </a:xfrm>
+          <a:prstGeom prst="rect">
+            <a:avLst/>
+          </a:prstGeom>
+        </p:spPr>
+      </p:pic>
+      <p:pic>
+        <p:nvPicPr>
+          <p:cNvPr id="6" name="Picture 5">
+            <a:extLst>
+              <a:ext uri="{FF2B5EF4-FFF2-40B4-BE49-F238E27FC236}">
+                <a16:creationId xmlns:a16="http://schemas.microsoft.com/office/drawing/2014/main" id="{8FEC218C-0B42-487E-8268-BC99A4CEC87F}"/>
+              </a:ext>
+            </a:extLst>
+          </p:cNvPr>
+          <p:cNvPicPr>
+            <a:picLocks noChangeAspect="1"/>
+          </p:cNvPicPr>
+          <p:nvPr/>
+        </p:nvPicPr>
+        <p:blipFill>
+          <a:blip r:embed="rId4"/>
+          <a:stretch>
+            <a:fillRect/>
+          </a:stretch>
+        </p:blipFill>
+        <p:spPr>
+          <a:xfrm>
+            <a:off x="7247847" y="3840628"/>
+            <a:ext cx="3962400" cy="2733675"/>
+          </a:xfrm>
+          <a:prstGeom prst="rect">
+            <a:avLst/>
+          </a:prstGeom>
+        </p:spPr>
+      </p:pic>
+      <p:sp>
+        <p:nvSpPr>
+          <p:cNvPr id="7" name="TextBox 6">
+            <a:extLst>
+              <a:ext uri="{FF2B5EF4-FFF2-40B4-BE49-F238E27FC236}">
+                <a16:creationId xmlns:a16="http://schemas.microsoft.com/office/drawing/2014/main" id="{819FA28F-686C-4DD8-98A0-E38925498BB8}"/>
+              </a:ext>
+            </a:extLst>
+          </p:cNvPr>
+          <p:cNvSpPr txBox="1"/>
+          <p:nvPr/>
+        </p:nvSpPr>
+        <p:spPr>
+          <a:xfrm>
+            <a:off x="4767157" y="1329926"/>
+            <a:ext cx="1830950" cy="369332"/>
+          </a:xfrm>
+          <a:prstGeom prst="rect">
+            <a:avLst/>
+          </a:prstGeom>
+          <a:noFill/>
+        </p:spPr>
+        <p:txBody>
+          <a:bodyPr wrap="none" rtlCol="0">
+            <a:spAutoFit/>
+          </a:bodyPr>
+          <a:lstStyle/>
+          <a:p>
+            <a:r>
+              <a:rPr lang="en-US" dirty="0"/>
+              <a:t># of Patterns = 10</a:t>
+            </a:r>
+          </a:p>
+        </p:txBody>
+      </p:sp>
+    </p:spTree>
+    <p:extLst>
+      <p:ext uri="{BB962C8B-B14F-4D97-AF65-F5344CB8AC3E}">
         <p14:creationId xmlns:p14="http://schemas.microsoft.com/office/powerpoint/2010/main" val="2457114760"/>
+      </p:ext>
+    </p:extLst>
+  </p:cSld>
+  <p:clrMapOvr>
+    <a:masterClrMapping/>
+  </p:clrMapOvr>
+</p:sld>
+</file>
+
+<file path=ppt/slides/slide8.xml><?xml version="1.0" encoding="utf-8"?>
+<p:sld xmlns:a="http://schemas.openxmlformats.org/drawingml/2006/main" xmlns:r="http://schemas.openxmlformats.org/officeDocument/2006/relationships" xmlns:p="http://schemas.openxmlformats.org/presentationml/2006/main">
+  <p:cSld>
+    <p:spTree>
+      <p:nvGrpSpPr>
+        <p:cNvPr id="1" name=""/>
+        <p:cNvGrpSpPr/>
+        <p:nvPr/>
+      </p:nvGrpSpPr>
+      <p:grpSpPr>
+        <a:xfrm>
+          <a:off x="0" y="0"/>
+          <a:ext cx="0" cy="0"/>
+          <a:chOff x="0" y="0"/>
+          <a:chExt cx="0" cy="0"/>
+        </a:xfrm>
+      </p:grpSpPr>
+      <p:pic>
+        <p:nvPicPr>
+          <p:cNvPr id="5" name="Picture 4">
+            <a:extLst>
+              <a:ext uri="{FF2B5EF4-FFF2-40B4-BE49-F238E27FC236}">
+                <a16:creationId xmlns:a16="http://schemas.microsoft.com/office/drawing/2014/main" id="{A8430E44-DA87-43C0-95E9-A1D026A81DB9}"/>
+              </a:ext>
+            </a:extLst>
+          </p:cNvPr>
+          <p:cNvPicPr>
+            <a:picLocks noChangeAspect="1"/>
+          </p:cNvPicPr>
+          <p:nvPr/>
+        </p:nvPicPr>
+        <p:blipFill>
+          <a:blip r:embed="rId2"/>
+          <a:stretch>
+            <a:fillRect/>
+          </a:stretch>
+        </p:blipFill>
+        <p:spPr>
+          <a:xfrm>
+            <a:off x="171846" y="2497210"/>
+            <a:ext cx="4010025" cy="2581275"/>
+          </a:xfrm>
+          <a:prstGeom prst="rect">
+            <a:avLst/>
+          </a:prstGeom>
+        </p:spPr>
+      </p:pic>
+      <p:sp>
+        <p:nvSpPr>
+          <p:cNvPr id="6" name="TextBox 5">
+            <a:extLst>
+              <a:ext uri="{FF2B5EF4-FFF2-40B4-BE49-F238E27FC236}">
+                <a16:creationId xmlns:a16="http://schemas.microsoft.com/office/drawing/2014/main" id="{6F22AA69-0D75-4AEF-8C1A-8A8DDDCE62EA}"/>
+              </a:ext>
+            </a:extLst>
+          </p:cNvPr>
+          <p:cNvSpPr txBox="1"/>
+          <p:nvPr/>
+        </p:nvSpPr>
+        <p:spPr>
+          <a:xfrm>
+            <a:off x="1040235" y="1770077"/>
+            <a:ext cx="1713931" cy="369332"/>
+          </a:xfrm>
+          <a:prstGeom prst="rect">
+            <a:avLst/>
+          </a:prstGeom>
+          <a:noFill/>
+        </p:spPr>
+        <p:txBody>
+          <a:bodyPr wrap="none" rtlCol="0">
+            <a:spAutoFit/>
+          </a:bodyPr>
+          <a:lstStyle/>
+          <a:p>
+            <a:r>
+              <a:rPr lang="en-US" dirty="0"/>
+              <a:t># of Patterns = 2</a:t>
+            </a:r>
+          </a:p>
+        </p:txBody>
+      </p:sp>
+      <p:pic>
+        <p:nvPicPr>
+          <p:cNvPr id="7" name="Picture 6">
+            <a:extLst>
+              <a:ext uri="{FF2B5EF4-FFF2-40B4-BE49-F238E27FC236}">
+                <a16:creationId xmlns:a16="http://schemas.microsoft.com/office/drawing/2014/main" id="{DE0BC7C9-77D1-440C-9C04-77573E1450F5}"/>
+              </a:ext>
+            </a:extLst>
+          </p:cNvPr>
+          <p:cNvPicPr>
+            <a:picLocks noChangeAspect="1"/>
+          </p:cNvPicPr>
+          <p:nvPr/>
+        </p:nvPicPr>
+        <p:blipFill>
+          <a:blip r:embed="rId3"/>
+          <a:stretch>
+            <a:fillRect/>
+          </a:stretch>
+        </p:blipFill>
+        <p:spPr>
+          <a:xfrm>
+            <a:off x="4181871" y="2535310"/>
+            <a:ext cx="3810000" cy="2571750"/>
+          </a:xfrm>
+          <a:prstGeom prst="rect">
+            <a:avLst/>
+          </a:prstGeom>
+        </p:spPr>
+      </p:pic>
+      <p:sp>
+        <p:nvSpPr>
+          <p:cNvPr id="8" name="TextBox 7">
+            <a:extLst>
+              <a:ext uri="{FF2B5EF4-FFF2-40B4-BE49-F238E27FC236}">
+                <a16:creationId xmlns:a16="http://schemas.microsoft.com/office/drawing/2014/main" id="{B68A23FB-E0CE-47B1-B367-8374BF6D8561}"/>
+              </a:ext>
+            </a:extLst>
+          </p:cNvPr>
+          <p:cNvSpPr txBox="1"/>
+          <p:nvPr/>
+        </p:nvSpPr>
+        <p:spPr>
+          <a:xfrm>
+            <a:off x="5127072" y="1854075"/>
+            <a:ext cx="1713931" cy="369332"/>
+          </a:xfrm>
+          <a:prstGeom prst="rect">
+            <a:avLst/>
+          </a:prstGeom>
+          <a:noFill/>
+        </p:spPr>
+        <p:txBody>
+          <a:bodyPr wrap="none" rtlCol="0">
+            <a:spAutoFit/>
+          </a:bodyPr>
+          <a:lstStyle/>
+          <a:p>
+            <a:r>
+              <a:rPr lang="en-US" dirty="0"/>
+              <a:t># of Patterns = 4</a:t>
+            </a:r>
+          </a:p>
+        </p:txBody>
+      </p:sp>
+      <p:pic>
+        <p:nvPicPr>
+          <p:cNvPr id="9" name="Picture 8">
+            <a:extLst>
+              <a:ext uri="{FF2B5EF4-FFF2-40B4-BE49-F238E27FC236}">
+                <a16:creationId xmlns:a16="http://schemas.microsoft.com/office/drawing/2014/main" id="{AB0C54D4-611F-48B8-9CA2-9323A38D3C1E}"/>
+              </a:ext>
+            </a:extLst>
+          </p:cNvPr>
+          <p:cNvPicPr>
+            <a:picLocks noChangeAspect="1"/>
+          </p:cNvPicPr>
+          <p:nvPr/>
+        </p:nvPicPr>
+        <p:blipFill>
+          <a:blip r:embed="rId4"/>
+          <a:stretch>
+            <a:fillRect/>
+          </a:stretch>
+        </p:blipFill>
+        <p:spPr>
+          <a:xfrm>
+            <a:off x="8114904" y="2497210"/>
+            <a:ext cx="3905250" cy="2514600"/>
+          </a:xfrm>
+          <a:prstGeom prst="rect">
+            <a:avLst/>
+          </a:prstGeom>
+        </p:spPr>
+      </p:pic>
+      <p:sp>
+        <p:nvSpPr>
+          <p:cNvPr id="10" name="TextBox 9">
+            <a:extLst>
+              <a:ext uri="{FF2B5EF4-FFF2-40B4-BE49-F238E27FC236}">
+                <a16:creationId xmlns:a16="http://schemas.microsoft.com/office/drawing/2014/main" id="{63EE0C13-F1E3-4A86-B2A2-E17F215748CA}"/>
+              </a:ext>
+            </a:extLst>
+          </p:cNvPr>
+          <p:cNvSpPr txBox="1"/>
+          <p:nvPr/>
+        </p:nvSpPr>
+        <p:spPr>
+          <a:xfrm>
+            <a:off x="9078286" y="1770077"/>
+            <a:ext cx="1830950" cy="369332"/>
+          </a:xfrm>
+          <a:prstGeom prst="rect">
+            <a:avLst/>
+          </a:prstGeom>
+          <a:noFill/>
+        </p:spPr>
+        <p:txBody>
+          <a:bodyPr wrap="none" rtlCol="0">
+            <a:spAutoFit/>
+          </a:bodyPr>
+          <a:lstStyle/>
+          <a:p>
+            <a:r>
+              <a:rPr lang="en-US" dirty="0"/>
+              <a:t># of Patterns = 10</a:t>
+            </a:r>
+          </a:p>
+        </p:txBody>
+      </p:sp>
+      <p:sp>
+        <p:nvSpPr>
+          <p:cNvPr id="11" name="TextBox 10">
+            <a:extLst>
+              <a:ext uri="{FF2B5EF4-FFF2-40B4-BE49-F238E27FC236}">
+                <a16:creationId xmlns:a16="http://schemas.microsoft.com/office/drawing/2014/main" id="{1F1B1807-B2AE-4460-A572-7DFAD1971CE4}"/>
+              </a:ext>
+            </a:extLst>
+          </p:cNvPr>
+          <p:cNvSpPr txBox="1"/>
+          <p:nvPr/>
+        </p:nvSpPr>
+        <p:spPr>
+          <a:xfrm>
+            <a:off x="822120" y="654341"/>
+            <a:ext cx="3680238" cy="369332"/>
+          </a:xfrm>
+          <a:prstGeom prst="rect">
+            <a:avLst/>
+          </a:prstGeom>
+          <a:noFill/>
+        </p:spPr>
+        <p:txBody>
+          <a:bodyPr wrap="none" rtlCol="0">
+            <a:spAutoFit/>
+          </a:bodyPr>
+          <a:lstStyle/>
+          <a:p>
+            <a:r>
+              <a:rPr lang="en-US" dirty="0"/>
+              <a:t>Gradient descent 10 Binary classifiers</a:t>
+            </a:r>
+          </a:p>
+        </p:txBody>
+      </p:sp>
+    </p:spTree>
+    <p:extLst>
+      <p:ext uri="{BB962C8B-B14F-4D97-AF65-F5344CB8AC3E}">
+        <p14:creationId xmlns:p14="http://schemas.microsoft.com/office/powerpoint/2010/main" val="2691466438"/>
+      </p:ext>
+    </p:extLst>
+  </p:cSld>
+  <p:clrMapOvr>
+    <a:masterClrMapping/>
+  </p:clrMapOvr>
+</p:sld>
+</file>
+
+<file path=ppt/slides/slide9.xml><?xml version="1.0" encoding="utf-8"?>
+<p:sld xmlns:a="http://schemas.openxmlformats.org/drawingml/2006/main" xmlns:r="http://schemas.openxmlformats.org/officeDocument/2006/relationships" xmlns:p="http://schemas.openxmlformats.org/presentationml/2006/main">
+  <p:cSld>
+    <p:spTree>
+      <p:nvGrpSpPr>
+        <p:cNvPr id="1" name=""/>
+        <p:cNvGrpSpPr/>
+        <p:nvPr/>
+      </p:nvGrpSpPr>
+      <p:grpSpPr>
+        <a:xfrm>
+          <a:off x="0" y="0"/>
+          <a:ext cx="0" cy="0"/>
+          <a:chOff x="0" y="0"/>
+          <a:chExt cx="0" cy="0"/>
+        </a:xfrm>
+      </p:grpSpPr>
+      <p:sp>
+        <p:nvSpPr>
+          <p:cNvPr id="2" name="Title 1">
+            <a:extLst>
+              <a:ext uri="{FF2B5EF4-FFF2-40B4-BE49-F238E27FC236}">
+                <a16:creationId xmlns:a16="http://schemas.microsoft.com/office/drawing/2014/main" id="{6D912108-54C2-4DB0-9167-BA4F2A9B3E49}"/>
+              </a:ext>
+            </a:extLst>
+          </p:cNvPr>
+          <p:cNvSpPr>
+            <a:spLocks noGrp="1"/>
+          </p:cNvSpPr>
+          <p:nvPr>
+            <p:ph type="title"/>
+          </p:nvPr>
+        </p:nvSpPr>
+        <p:spPr/>
+        <p:txBody>
+          <a:bodyPr/>
+          <a:lstStyle/>
+          <a:p>
+            <a:r>
+              <a:rPr lang="en-US" dirty="0"/>
+              <a:t>Conclusion</a:t>
+            </a:r>
+          </a:p>
+        </p:txBody>
+      </p:sp>
+      <p:sp>
+        <p:nvSpPr>
+          <p:cNvPr id="3" name="Content Placeholder 2">
+            <a:extLst>
+              <a:ext uri="{FF2B5EF4-FFF2-40B4-BE49-F238E27FC236}">
+                <a16:creationId xmlns:a16="http://schemas.microsoft.com/office/drawing/2014/main" id="{58FC2C00-E002-4012-85A3-E84ECD18C93C}"/>
+              </a:ext>
+            </a:extLst>
+          </p:cNvPr>
+          <p:cNvSpPr>
+            <a:spLocks noGrp="1"/>
+          </p:cNvSpPr>
+          <p:nvPr>
+            <p:ph idx="1"/>
+          </p:nvPr>
+        </p:nvSpPr>
+        <p:spPr/>
+        <p:txBody>
+          <a:bodyPr/>
+          <a:lstStyle/>
+          <a:p>
+            <a:r>
+              <a:rPr lang="en-US" dirty="0"/>
+              <a:t>Hebbian learning, 1 weight vector, reaches 90% accuracy on test data</a:t>
+            </a:r>
+          </a:p>
+          <a:p>
+            <a:endParaRPr lang="en-US" dirty="0"/>
+          </a:p>
+          <a:p>
+            <a:r>
+              <a:rPr lang="en-US" dirty="0"/>
+              <a:t>Gradient descent; linear activation function. Same performance as Hebbian learning for binary dataset. Terrible for more </a:t>
+            </a:r>
+            <a:r>
+              <a:rPr lang="en-US" dirty="0" err="1"/>
+              <a:t>more</a:t>
+            </a:r>
+            <a:r>
+              <a:rPr lang="en-US" dirty="0"/>
+              <a:t> than 2 patterns.</a:t>
+            </a:r>
+          </a:p>
+          <a:p>
+            <a:endParaRPr lang="en-US" dirty="0"/>
+          </a:p>
+          <a:p>
+            <a:r>
+              <a:rPr lang="en-US" dirty="0"/>
+              <a:t>Gradient descent N binary classifiers for N datasets: Better results for N=2 than linear activation and Hebbian learning, and decent results for N=10</a:t>
+            </a:r>
+          </a:p>
+        </p:txBody>
+      </p:sp>
+    </p:spTree>
+    <p:extLst>
+      <p:ext uri="{BB962C8B-B14F-4D97-AF65-F5344CB8AC3E}">
+        <p14:creationId xmlns:p14="http://schemas.microsoft.com/office/powerpoint/2010/main" val="3230976062"/>
       </p:ext>
     </p:extLst>
   </p:cSld>

--- a/Presentation1.pptx
+++ b/Presentation1.pptx
@@ -3688,7 +3688,7 @@
         </p:nvSpPr>
         <p:spPr>
           <a:xfrm>
-            <a:off x="838200" y="365125"/>
+            <a:off x="662293" y="0"/>
             <a:ext cx="10515600" cy="1325563"/>
           </a:xfrm>
         </p:spPr>
@@ -3825,8 +3825,398 @@
         </p:blipFill>
         <p:spPr>
           <a:xfrm>
-            <a:off x="6548743" y="2814900"/>
+            <a:off x="6721793" y="2504507"/>
             <a:ext cx="3943350" cy="2762250"/>
+          </a:xfrm>
+          <a:prstGeom prst="rect">
+            <a:avLst/>
+          </a:prstGeom>
+        </p:spPr>
+      </p:pic>
+      <p:pic>
+        <p:nvPicPr>
+          <p:cNvPr id="2" name="Picture 1">
+            <a:extLst>
+              <a:ext uri="{FF2B5EF4-FFF2-40B4-BE49-F238E27FC236}">
+                <a16:creationId xmlns:a16="http://schemas.microsoft.com/office/drawing/2014/main" id="{72993A89-D696-4675-970F-902DE8E1FE4B}"/>
+              </a:ext>
+            </a:extLst>
+          </p:cNvPr>
+          <p:cNvPicPr>
+            <a:picLocks noChangeAspect="1"/>
+          </p:cNvPicPr>
+          <p:nvPr/>
+        </p:nvPicPr>
+        <p:blipFill>
+          <a:blip r:embed="rId4"/>
+          <a:stretch>
+            <a:fillRect/>
+          </a:stretch>
+        </p:blipFill>
+        <p:spPr>
+          <a:xfrm>
+            <a:off x="593541" y="5662951"/>
+            <a:ext cx="785104" cy="797276"/>
+          </a:xfrm>
+          <a:prstGeom prst="rect">
+            <a:avLst/>
+          </a:prstGeom>
+        </p:spPr>
+      </p:pic>
+      <p:pic>
+        <p:nvPicPr>
+          <p:cNvPr id="3" name="Picture 2">
+            <a:extLst>
+              <a:ext uri="{FF2B5EF4-FFF2-40B4-BE49-F238E27FC236}">
+                <a16:creationId xmlns:a16="http://schemas.microsoft.com/office/drawing/2014/main" id="{E438F8BF-DA8C-4D05-AB45-DE1EC8F5687E}"/>
+              </a:ext>
+            </a:extLst>
+          </p:cNvPr>
+          <p:cNvPicPr>
+            <a:picLocks noChangeAspect="1"/>
+          </p:cNvPicPr>
+          <p:nvPr/>
+        </p:nvPicPr>
+        <p:blipFill>
+          <a:blip r:embed="rId5"/>
+          <a:stretch>
+            <a:fillRect/>
+          </a:stretch>
+        </p:blipFill>
+        <p:spPr>
+          <a:xfrm>
+            <a:off x="1344831" y="5669037"/>
+            <a:ext cx="748587" cy="791190"/>
+          </a:xfrm>
+          <a:prstGeom prst="rect">
+            <a:avLst/>
+          </a:prstGeom>
+        </p:spPr>
+      </p:pic>
+      <p:pic>
+        <p:nvPicPr>
+          <p:cNvPr id="5" name="Picture 4">
+            <a:extLst>
+              <a:ext uri="{FF2B5EF4-FFF2-40B4-BE49-F238E27FC236}">
+                <a16:creationId xmlns:a16="http://schemas.microsoft.com/office/drawing/2014/main" id="{456DDF4D-7927-44F3-81E8-6A25DBC1E8A4}"/>
+              </a:ext>
+            </a:extLst>
+          </p:cNvPr>
+          <p:cNvPicPr>
+            <a:picLocks noChangeAspect="1"/>
+          </p:cNvPicPr>
+          <p:nvPr/>
+        </p:nvPicPr>
+        <p:blipFill>
+          <a:blip r:embed="rId6"/>
+          <a:stretch>
+            <a:fillRect/>
+          </a:stretch>
+        </p:blipFill>
+        <p:spPr>
+          <a:xfrm>
+            <a:off x="2093418" y="5601249"/>
+            <a:ext cx="803361" cy="852050"/>
+          </a:xfrm>
+          <a:prstGeom prst="rect">
+            <a:avLst/>
+          </a:prstGeom>
+        </p:spPr>
+      </p:pic>
+      <p:pic>
+        <p:nvPicPr>
+          <p:cNvPr id="8" name="Picture 7">
+            <a:extLst>
+              <a:ext uri="{FF2B5EF4-FFF2-40B4-BE49-F238E27FC236}">
+                <a16:creationId xmlns:a16="http://schemas.microsoft.com/office/drawing/2014/main" id="{8930EA65-497C-4CFB-9690-20CD4FDF3DCA}"/>
+              </a:ext>
+            </a:extLst>
+          </p:cNvPr>
+          <p:cNvPicPr>
+            <a:picLocks noChangeAspect="1"/>
+          </p:cNvPicPr>
+          <p:nvPr/>
+        </p:nvPicPr>
+        <p:blipFill>
+          <a:blip r:embed="rId7"/>
+          <a:stretch>
+            <a:fillRect/>
+          </a:stretch>
+        </p:blipFill>
+        <p:spPr>
+          <a:xfrm>
+            <a:off x="2932633" y="5669037"/>
+            <a:ext cx="705984" cy="748587"/>
+          </a:xfrm>
+          <a:prstGeom prst="rect">
+            <a:avLst/>
+          </a:prstGeom>
+        </p:spPr>
+      </p:pic>
+      <p:pic>
+        <p:nvPicPr>
+          <p:cNvPr id="9" name="Picture 8">
+            <a:extLst>
+              <a:ext uri="{FF2B5EF4-FFF2-40B4-BE49-F238E27FC236}">
+                <a16:creationId xmlns:a16="http://schemas.microsoft.com/office/drawing/2014/main" id="{ED70F7A1-1BAC-47EC-90A9-B5F8D9A774BF}"/>
+              </a:ext>
+            </a:extLst>
+          </p:cNvPr>
+          <p:cNvPicPr>
+            <a:picLocks noChangeAspect="1"/>
+          </p:cNvPicPr>
+          <p:nvPr/>
+        </p:nvPicPr>
+        <p:blipFill>
+          <a:blip r:embed="rId8"/>
+          <a:stretch>
+            <a:fillRect/>
+          </a:stretch>
+        </p:blipFill>
+        <p:spPr>
+          <a:xfrm>
+            <a:off x="6867669" y="5301133"/>
+            <a:ext cx="719115" cy="748587"/>
+          </a:xfrm>
+          <a:prstGeom prst="rect">
+            <a:avLst/>
+          </a:prstGeom>
+        </p:spPr>
+      </p:pic>
+      <p:pic>
+        <p:nvPicPr>
+          <p:cNvPr id="12" name="Picture 11">
+            <a:extLst>
+              <a:ext uri="{FF2B5EF4-FFF2-40B4-BE49-F238E27FC236}">
+                <a16:creationId xmlns:a16="http://schemas.microsoft.com/office/drawing/2014/main" id="{8A899AD6-C35A-482A-B2E4-D89DE98AB8C1}"/>
+              </a:ext>
+            </a:extLst>
+          </p:cNvPr>
+          <p:cNvPicPr>
+            <a:picLocks noChangeAspect="1"/>
+          </p:cNvPicPr>
+          <p:nvPr/>
+        </p:nvPicPr>
+        <p:blipFill>
+          <a:blip r:embed="rId9"/>
+          <a:stretch>
+            <a:fillRect/>
+          </a:stretch>
+        </p:blipFill>
+        <p:spPr>
+          <a:xfrm>
+            <a:off x="7564898" y="5301133"/>
+            <a:ext cx="793294" cy="745577"/>
+          </a:xfrm>
+          <a:prstGeom prst="rect">
+            <a:avLst/>
+          </a:prstGeom>
+        </p:spPr>
+      </p:pic>
+      <p:pic>
+        <p:nvPicPr>
+          <p:cNvPr id="13" name="Picture 12">
+            <a:extLst>
+              <a:ext uri="{FF2B5EF4-FFF2-40B4-BE49-F238E27FC236}">
+                <a16:creationId xmlns:a16="http://schemas.microsoft.com/office/drawing/2014/main" id="{BBA50998-791A-4626-94DE-28E43CE25E56}"/>
+              </a:ext>
+            </a:extLst>
+          </p:cNvPr>
+          <p:cNvPicPr>
+            <a:picLocks noChangeAspect="1"/>
+          </p:cNvPicPr>
+          <p:nvPr/>
+        </p:nvPicPr>
+        <p:blipFill>
+          <a:blip r:embed="rId10"/>
+          <a:stretch>
+            <a:fillRect/>
+          </a:stretch>
+        </p:blipFill>
+        <p:spPr>
+          <a:xfrm>
+            <a:off x="8385803" y="5284596"/>
+            <a:ext cx="741838" cy="784056"/>
+          </a:xfrm>
+          <a:prstGeom prst="rect">
+            <a:avLst/>
+          </a:prstGeom>
+        </p:spPr>
+      </p:pic>
+      <p:pic>
+        <p:nvPicPr>
+          <p:cNvPr id="14" name="Picture 13">
+            <a:extLst>
+              <a:ext uri="{FF2B5EF4-FFF2-40B4-BE49-F238E27FC236}">
+                <a16:creationId xmlns:a16="http://schemas.microsoft.com/office/drawing/2014/main" id="{77BE154E-6508-4EB4-912F-5DECB4550783}"/>
+              </a:ext>
+            </a:extLst>
+          </p:cNvPr>
+          <p:cNvPicPr>
+            <a:picLocks noChangeAspect="1"/>
+          </p:cNvPicPr>
+          <p:nvPr/>
+        </p:nvPicPr>
+        <p:blipFill>
+          <a:blip r:embed="rId11"/>
+          <a:stretch>
+            <a:fillRect/>
+          </a:stretch>
+        </p:blipFill>
+        <p:spPr>
+          <a:xfrm>
+            <a:off x="9155252" y="5284595"/>
+            <a:ext cx="802291" cy="784057"/>
+          </a:xfrm>
+          <a:prstGeom prst="rect">
+            <a:avLst/>
+          </a:prstGeom>
+        </p:spPr>
+      </p:pic>
+      <p:pic>
+        <p:nvPicPr>
+          <p:cNvPr id="15" name="Picture 14">
+            <a:extLst>
+              <a:ext uri="{FF2B5EF4-FFF2-40B4-BE49-F238E27FC236}">
+                <a16:creationId xmlns:a16="http://schemas.microsoft.com/office/drawing/2014/main" id="{7B25882B-0DE4-4F43-AC77-3B668CBF13FE}"/>
+              </a:ext>
+            </a:extLst>
+          </p:cNvPr>
+          <p:cNvPicPr>
+            <a:picLocks noChangeAspect="1"/>
+          </p:cNvPicPr>
+          <p:nvPr/>
+        </p:nvPicPr>
+        <p:blipFill>
+          <a:blip r:embed="rId12"/>
+          <a:stretch>
+            <a:fillRect/>
+          </a:stretch>
+        </p:blipFill>
+        <p:spPr>
+          <a:xfrm>
+            <a:off x="9985154" y="5279191"/>
+            <a:ext cx="779702" cy="767519"/>
+          </a:xfrm>
+          <a:prstGeom prst="rect">
+            <a:avLst/>
+          </a:prstGeom>
+        </p:spPr>
+      </p:pic>
+      <p:pic>
+        <p:nvPicPr>
+          <p:cNvPr id="16" name="Picture 15">
+            <a:extLst>
+              <a:ext uri="{FF2B5EF4-FFF2-40B4-BE49-F238E27FC236}">
+                <a16:creationId xmlns:a16="http://schemas.microsoft.com/office/drawing/2014/main" id="{2BDFDD44-D1F7-46D0-B254-CD01CE6E0F87}"/>
+              </a:ext>
+            </a:extLst>
+          </p:cNvPr>
+          <p:cNvPicPr>
+            <a:picLocks noChangeAspect="1"/>
+          </p:cNvPicPr>
+          <p:nvPr/>
+        </p:nvPicPr>
+        <p:blipFill>
+          <a:blip r:embed="rId4"/>
+          <a:stretch>
+            <a:fillRect/>
+          </a:stretch>
+        </p:blipFill>
+        <p:spPr>
+          <a:xfrm>
+            <a:off x="6816160" y="6075000"/>
+            <a:ext cx="785104" cy="797276"/>
+          </a:xfrm>
+          <a:prstGeom prst="rect">
+            <a:avLst/>
+          </a:prstGeom>
+        </p:spPr>
+      </p:pic>
+      <p:pic>
+        <p:nvPicPr>
+          <p:cNvPr id="17" name="Picture 16">
+            <a:extLst>
+              <a:ext uri="{FF2B5EF4-FFF2-40B4-BE49-F238E27FC236}">
+                <a16:creationId xmlns:a16="http://schemas.microsoft.com/office/drawing/2014/main" id="{50D2D288-F0F8-42EB-A235-12AFD0A9BEE2}"/>
+              </a:ext>
+            </a:extLst>
+          </p:cNvPr>
+          <p:cNvPicPr>
+            <a:picLocks noChangeAspect="1"/>
+          </p:cNvPicPr>
+          <p:nvPr/>
+        </p:nvPicPr>
+        <p:blipFill>
+          <a:blip r:embed="rId5"/>
+          <a:stretch>
+            <a:fillRect/>
+          </a:stretch>
+        </p:blipFill>
+        <p:spPr>
+          <a:xfrm>
+            <a:off x="7567450" y="6081086"/>
+            <a:ext cx="748587" cy="791190"/>
+          </a:xfrm>
+          <a:prstGeom prst="rect">
+            <a:avLst/>
+          </a:prstGeom>
+        </p:spPr>
+      </p:pic>
+      <p:pic>
+        <p:nvPicPr>
+          <p:cNvPr id="18" name="Picture 17">
+            <a:extLst>
+              <a:ext uri="{FF2B5EF4-FFF2-40B4-BE49-F238E27FC236}">
+                <a16:creationId xmlns:a16="http://schemas.microsoft.com/office/drawing/2014/main" id="{2361C77C-6895-445B-86BE-57BEDFC609D3}"/>
+              </a:ext>
+            </a:extLst>
+          </p:cNvPr>
+          <p:cNvPicPr>
+            <a:picLocks noChangeAspect="1"/>
+          </p:cNvPicPr>
+          <p:nvPr/>
+        </p:nvPicPr>
+        <p:blipFill>
+          <a:blip r:embed="rId6"/>
+          <a:stretch>
+            <a:fillRect/>
+          </a:stretch>
+        </p:blipFill>
+        <p:spPr>
+          <a:xfrm>
+            <a:off x="8316037" y="6013298"/>
+            <a:ext cx="803361" cy="852050"/>
+          </a:xfrm>
+          <a:prstGeom prst="rect">
+            <a:avLst/>
+          </a:prstGeom>
+        </p:spPr>
+      </p:pic>
+      <p:pic>
+        <p:nvPicPr>
+          <p:cNvPr id="19" name="Picture 18">
+            <a:extLst>
+              <a:ext uri="{FF2B5EF4-FFF2-40B4-BE49-F238E27FC236}">
+                <a16:creationId xmlns:a16="http://schemas.microsoft.com/office/drawing/2014/main" id="{DC477411-8728-459C-8AA9-686413BD5795}"/>
+              </a:ext>
+            </a:extLst>
+          </p:cNvPr>
+          <p:cNvPicPr>
+            <a:picLocks noChangeAspect="1"/>
+          </p:cNvPicPr>
+          <p:nvPr/>
+        </p:nvPicPr>
+        <p:blipFill>
+          <a:blip r:embed="rId7"/>
+          <a:stretch>
+            <a:fillRect/>
+          </a:stretch>
+        </p:blipFill>
+        <p:spPr>
+          <a:xfrm>
+            <a:off x="9155252" y="6081086"/>
+            <a:ext cx="705984" cy="748587"/>
           </a:xfrm>
           <a:prstGeom prst="rect">
             <a:avLst/>
@@ -3908,8 +4298,8 @@
         </p:blipFill>
         <p:spPr>
           <a:xfrm>
-            <a:off x="413329" y="1984076"/>
-            <a:ext cx="5506789" cy="3426743"/>
+            <a:off x="922789" y="2330141"/>
+            <a:ext cx="4854716" cy="3020974"/>
           </a:xfrm>
           <a:prstGeom prst="rect">
             <a:avLst/>
